--- a/one-slide/OpenChain-One-Slide-Overview.pptx
+++ b/one-slide/OpenChain-One-Slide-Overview.pptx
@@ -1837,6 +1837,11 @@
         </p:spPr>
       </p:sp>
     </p:spTree>
+    <p:extLst>
+      <p:ext uri="{BB962C8B-B14F-4D97-AF65-F5344CB8AC3E}">
+        <p14:creationId xmlns:p14="http://schemas.microsoft.com/office/powerpoint/2010/main" val="1005894161"/>
+      </p:ext>
+    </p:extLst>
   </p:cSld>
   <p:clrMapOvr>
     <a:masterClrMapping/>
@@ -7970,6 +7975,187 @@
       </p:grpSpPr>
       <p:sp>
         <p:nvSpPr>
+          <p:cNvPr id="3" name="角丸四角形 2"/>
+          <p:cNvSpPr/>
+          <p:nvPr/>
+        </p:nvSpPr>
+        <p:spPr>
+          <a:xfrm>
+            <a:off x="6047232" y="1466850"/>
+            <a:ext cx="2807970" cy="1962150"/>
+          </a:xfrm>
+          <a:prstGeom prst="roundRect">
+            <a:avLst/>
+          </a:prstGeom>
+          <a:noFill/>
+          <a:ln w="127000">
+            <a:solidFill>
+              <a:srgbClr val="00B4C2">
+                <a:alpha val="80000"/>
+              </a:srgbClr>
+            </a:solidFill>
+          </a:ln>
+        </p:spPr>
+        <p:style>
+          <a:lnRef idx="2">
+            <a:schemeClr val="accent1">
+              <a:shade val="50000"/>
+            </a:schemeClr>
+          </a:lnRef>
+          <a:fillRef idx="1">
+            <a:schemeClr val="accent1"/>
+          </a:fillRef>
+          <a:effectRef idx="0">
+            <a:schemeClr val="accent1"/>
+          </a:effectRef>
+          <a:fontRef idx="minor">
+            <a:schemeClr val="lt1"/>
+          </a:fontRef>
+        </p:style>
+        <p:txBody>
+          <a:bodyPr rtlCol="0" anchor="ctr"/>
+          <a:lstStyle/>
+          <a:p>
+            <a:pPr algn="ctr"/>
+            <a:endParaRPr kumimoji="1" lang="ja-JP" altLang="en-US"/>
+          </a:p>
+        </p:txBody>
+      </p:sp>
+      <p:sp>
+        <p:nvSpPr>
+          <p:cNvPr id="23" name="正方形/長方形 22"/>
+          <p:cNvSpPr/>
+          <p:nvPr/>
+        </p:nvSpPr>
+        <p:spPr>
+          <a:xfrm>
+            <a:off x="8055038" y="2564225"/>
+            <a:ext cx="1583812" cy="291611"/>
+          </a:xfrm>
+          <a:prstGeom prst="rect">
+            <a:avLst/>
+          </a:prstGeom>
+          <a:solidFill>
+            <a:schemeClr val="bg1"/>
+          </a:solidFill>
+          <a:ln>
+            <a:noFill/>
+          </a:ln>
+        </p:spPr>
+        <p:style>
+          <a:lnRef idx="2">
+            <a:schemeClr val="accent1">
+              <a:shade val="50000"/>
+            </a:schemeClr>
+          </a:lnRef>
+          <a:fillRef idx="1">
+            <a:schemeClr val="accent1"/>
+          </a:fillRef>
+          <a:effectRef idx="0">
+            <a:schemeClr val="accent1"/>
+          </a:effectRef>
+          <a:fontRef idx="minor">
+            <a:schemeClr val="lt1"/>
+          </a:fontRef>
+        </p:style>
+        <p:txBody>
+          <a:bodyPr rtlCol="0" anchor="ctr"/>
+          <a:lstStyle/>
+          <a:p>
+            <a:pPr algn="ctr"/>
+            <a:endParaRPr kumimoji="1" lang="ja-JP" altLang="en-US"/>
+          </a:p>
+        </p:txBody>
+      </p:sp>
+      <p:sp>
+        <p:nvSpPr>
+          <p:cNvPr id="21" name="テキスト ボックス 20"/>
+          <p:cNvSpPr txBox="1"/>
+          <p:nvPr/>
+        </p:nvSpPr>
+        <p:spPr>
+          <a:xfrm>
+            <a:off x="8131302" y="2486206"/>
+            <a:ext cx="1363980" cy="400110"/>
+          </a:xfrm>
+          <a:prstGeom prst="rect">
+            <a:avLst/>
+          </a:prstGeom>
+          <a:noFill/>
+        </p:spPr>
+        <p:txBody>
+          <a:bodyPr wrap="square" rtlCol="0">
+            <a:spAutoFit/>
+          </a:bodyPr>
+          <a:lstStyle/>
+          <a:p>
+            <a:pPr algn="ctr"/>
+            <a:r>
+              <a:rPr kumimoji="1" lang="en-US" altLang="ja-JP" sz="2000" dirty="0">
+                <a:solidFill>
+                  <a:srgbClr val="008892"/>
+                </a:solidFill>
+                <a:latin typeface="Calibri" panose="020F0502020204030204" pitchFamily="34" charset="0"/>
+              </a:rPr>
+              <a:t>outbound</a:t>
+            </a:r>
+            <a:endParaRPr kumimoji="1" lang="ja-JP" altLang="en-US" sz="2000" dirty="0">
+              <a:solidFill>
+                <a:srgbClr val="008892"/>
+              </a:solidFill>
+              <a:latin typeface="Calibri" panose="020F0502020204030204" pitchFamily="34" charset="0"/>
+            </a:endParaRPr>
+          </a:p>
+        </p:txBody>
+      </p:sp>
+      <p:sp>
+        <p:nvSpPr>
+          <p:cNvPr id="22" name="正方形/長方形 21"/>
+          <p:cNvSpPr/>
+          <p:nvPr/>
+        </p:nvSpPr>
+        <p:spPr>
+          <a:xfrm>
+            <a:off x="5309191" y="1731223"/>
+            <a:ext cx="1583812" cy="291611"/>
+          </a:xfrm>
+          <a:prstGeom prst="rect">
+            <a:avLst/>
+          </a:prstGeom>
+          <a:solidFill>
+            <a:schemeClr val="bg1"/>
+          </a:solidFill>
+          <a:ln>
+            <a:noFill/>
+          </a:ln>
+        </p:spPr>
+        <p:style>
+          <a:lnRef idx="2">
+            <a:schemeClr val="accent1">
+              <a:shade val="50000"/>
+            </a:schemeClr>
+          </a:lnRef>
+          <a:fillRef idx="1">
+            <a:schemeClr val="accent1"/>
+          </a:fillRef>
+          <a:effectRef idx="0">
+            <a:schemeClr val="accent1"/>
+          </a:effectRef>
+          <a:fontRef idx="minor">
+            <a:schemeClr val="lt1"/>
+          </a:fontRef>
+        </p:style>
+        <p:txBody>
+          <a:bodyPr rtlCol="0" anchor="ctr"/>
+          <a:lstStyle/>
+          <a:p>
+            <a:pPr algn="ctr"/>
+            <a:endParaRPr kumimoji="1" lang="ja-JP" altLang="en-US"/>
+          </a:p>
+        </p:txBody>
+      </p:sp>
+      <p:sp>
+        <p:nvSpPr>
           <p:cNvPr id="11" name="Google Shape;181;p21">
             <a:extLst>
               <a:ext uri="{FF2B5EF4-FFF2-40B4-BE49-F238E27FC236}">
@@ -7984,7 +8170,7 @@
         </p:nvSpPr>
         <p:spPr>
           <a:xfrm>
-            <a:off x="3317884" y="448329"/>
+            <a:off x="3317884" y="331599"/>
             <a:ext cx="8340330" cy="5988963"/>
           </a:xfrm>
           <a:prstGeom prst="rect">
@@ -8284,7 +8470,7 @@
                 <a:cs typeface="Calibri"/>
                 <a:sym typeface="Calibri"/>
               </a:rPr>
-              <a:t>The OpenChain Project defines the key requirements for a quality compliance program.</a:t>
+              <a:t>The OpenChain Project defines the key requirements for a quality open source compliance program.</a:t>
             </a:r>
           </a:p>
           <a:p>
@@ -8687,37 +8873,542 @@
           </a:ln>
         </p:spPr>
       </p:pic>
-      <p:pic>
-        <p:nvPicPr>
-          <p:cNvPr id="13" name="Picture 12">
-            <a:extLst>
-              <a:ext uri="{FF2B5EF4-FFF2-40B4-BE49-F238E27FC236}">
-                <a16:creationId xmlns:a16="http://schemas.microsoft.com/office/drawing/2014/main" id="{59DAB8B1-A143-2041-813D-73804A8122AB}"/>
-              </a:ext>
-            </a:extLst>
-          </p:cNvPr>
-          <p:cNvPicPr>
-            <a:picLocks noChangeAspect="1"/>
-          </p:cNvPicPr>
+      <p:sp>
+        <p:nvSpPr>
+          <p:cNvPr id="9" name="角丸四角形 8"/>
+          <p:cNvSpPr/>
           <p:nvPr/>
-        </p:nvPicPr>
-        <p:blipFill>
-          <a:blip r:embed="rId6"/>
-          <a:stretch>
-            <a:fillRect/>
-          </a:stretch>
-        </p:blipFill>
+        </p:nvSpPr>
         <p:spPr>
           <a:xfrm>
-            <a:off x="4147225" y="1483152"/>
-            <a:ext cx="6684898" cy="2263543"/>
+            <a:off x="2957795" y="1621536"/>
+            <a:ext cx="2164899" cy="1219200"/>
+          </a:xfrm>
+          <a:prstGeom prst="roundRect">
+            <a:avLst/>
+          </a:prstGeom>
+          <a:noFill/>
+          <a:ln w="127000">
+            <a:solidFill>
+              <a:srgbClr val="008892">
+                <a:alpha val="80000"/>
+              </a:srgbClr>
+            </a:solidFill>
+          </a:ln>
+        </p:spPr>
+        <p:style>
+          <a:lnRef idx="2">
+            <a:schemeClr val="accent1">
+              <a:shade val="50000"/>
+            </a:schemeClr>
+          </a:lnRef>
+          <a:fillRef idx="1">
+            <a:schemeClr val="accent1"/>
+          </a:fillRef>
+          <a:effectRef idx="0">
+            <a:schemeClr val="accent1"/>
+          </a:effectRef>
+          <a:fontRef idx="minor">
+            <a:schemeClr val="lt1"/>
+          </a:fontRef>
+        </p:style>
+        <p:txBody>
+          <a:bodyPr rtlCol="0" anchor="ctr"/>
+          <a:lstStyle/>
+          <a:p>
+            <a:pPr algn="ctr"/>
+            <a:endParaRPr kumimoji="1" lang="ja-JP" altLang="en-US"/>
+          </a:p>
+        </p:txBody>
+      </p:sp>
+      <p:sp>
+        <p:nvSpPr>
+          <p:cNvPr id="12" name="角丸四角形 11"/>
+          <p:cNvSpPr/>
+          <p:nvPr/>
+        </p:nvSpPr>
+        <p:spPr>
+          <a:xfrm>
+            <a:off x="9779740" y="1621536"/>
+            <a:ext cx="2164899" cy="1219200"/>
+          </a:xfrm>
+          <a:prstGeom prst="roundRect">
+            <a:avLst/>
+          </a:prstGeom>
+          <a:noFill/>
+          <a:ln w="127000">
+            <a:solidFill>
+              <a:srgbClr val="008892">
+                <a:alpha val="80000"/>
+              </a:srgbClr>
+            </a:solidFill>
+          </a:ln>
+        </p:spPr>
+        <p:style>
+          <a:lnRef idx="2">
+            <a:schemeClr val="accent1">
+              <a:shade val="50000"/>
+            </a:schemeClr>
+          </a:lnRef>
+          <a:fillRef idx="1">
+            <a:schemeClr val="accent1"/>
+          </a:fillRef>
+          <a:effectRef idx="0">
+            <a:schemeClr val="accent1"/>
+          </a:effectRef>
+          <a:fontRef idx="minor">
+            <a:schemeClr val="lt1"/>
+          </a:fontRef>
+        </p:style>
+        <p:txBody>
+          <a:bodyPr rtlCol="0" anchor="ctr"/>
+          <a:lstStyle/>
+          <a:p>
+            <a:pPr algn="ctr"/>
+            <a:endParaRPr kumimoji="1" lang="ja-JP" altLang="en-US"/>
+          </a:p>
+        </p:txBody>
+      </p:sp>
+      <p:sp>
+        <p:nvSpPr>
+          <p:cNvPr id="4" name="正方形/長方形 3"/>
+          <p:cNvSpPr/>
+          <p:nvPr/>
+        </p:nvSpPr>
+        <p:spPr>
+          <a:xfrm>
+            <a:off x="3244220" y="1466850"/>
+            <a:ext cx="1583812" cy="291611"/>
           </a:xfrm>
           <a:prstGeom prst="rect">
             <a:avLst/>
           </a:prstGeom>
-          <a:effectLst/>
+          <a:solidFill>
+            <a:schemeClr val="bg1"/>
+          </a:solidFill>
+          <a:ln>
+            <a:noFill/>
+          </a:ln>
         </p:spPr>
-      </p:pic>
+        <p:style>
+          <a:lnRef idx="2">
+            <a:schemeClr val="accent1">
+              <a:shade val="50000"/>
+            </a:schemeClr>
+          </a:lnRef>
+          <a:fillRef idx="1">
+            <a:schemeClr val="accent1"/>
+          </a:fillRef>
+          <a:effectRef idx="0">
+            <a:schemeClr val="accent1"/>
+          </a:effectRef>
+          <a:fontRef idx="minor">
+            <a:schemeClr val="lt1"/>
+          </a:fontRef>
+        </p:style>
+        <p:txBody>
+          <a:bodyPr rtlCol="0" anchor="ctr"/>
+          <a:lstStyle/>
+          <a:p>
+            <a:pPr algn="ctr"/>
+            <a:endParaRPr kumimoji="1" lang="ja-JP" altLang="en-US"/>
+          </a:p>
+        </p:txBody>
+      </p:sp>
+      <p:sp>
+        <p:nvSpPr>
+          <p:cNvPr id="15" name="正方形/長方形 14"/>
+          <p:cNvSpPr/>
+          <p:nvPr/>
+        </p:nvSpPr>
+        <p:spPr>
+          <a:xfrm>
+            <a:off x="10074402" y="1466850"/>
+            <a:ext cx="1583812" cy="291611"/>
+          </a:xfrm>
+          <a:prstGeom prst="rect">
+            <a:avLst/>
+          </a:prstGeom>
+          <a:solidFill>
+            <a:schemeClr val="bg1"/>
+          </a:solidFill>
+          <a:ln>
+            <a:noFill/>
+          </a:ln>
+        </p:spPr>
+        <p:style>
+          <a:lnRef idx="2">
+            <a:schemeClr val="accent1">
+              <a:shade val="50000"/>
+            </a:schemeClr>
+          </a:lnRef>
+          <a:fillRef idx="1">
+            <a:schemeClr val="accent1"/>
+          </a:fillRef>
+          <a:effectRef idx="0">
+            <a:schemeClr val="accent1"/>
+          </a:effectRef>
+          <a:fontRef idx="minor">
+            <a:schemeClr val="lt1"/>
+          </a:fontRef>
+        </p:style>
+        <p:txBody>
+          <a:bodyPr rtlCol="0" anchor="ctr"/>
+          <a:lstStyle/>
+          <a:p>
+            <a:pPr algn="ctr"/>
+            <a:endParaRPr kumimoji="1" lang="ja-JP" altLang="en-US"/>
+          </a:p>
+        </p:txBody>
+      </p:sp>
+      <p:sp>
+        <p:nvSpPr>
+          <p:cNvPr id="5" name="テキスト ボックス 4"/>
+          <p:cNvSpPr txBox="1"/>
+          <p:nvPr/>
+        </p:nvSpPr>
+        <p:spPr>
+          <a:xfrm>
+            <a:off x="3307080" y="1405890"/>
+            <a:ext cx="1363980" cy="400110"/>
+          </a:xfrm>
+          <a:prstGeom prst="rect">
+            <a:avLst/>
+          </a:prstGeom>
+          <a:noFill/>
+        </p:spPr>
+        <p:txBody>
+          <a:bodyPr wrap="square" rtlCol="0">
+            <a:spAutoFit/>
+          </a:bodyPr>
+          <a:lstStyle/>
+          <a:p>
+            <a:pPr algn="ctr"/>
+            <a:r>
+              <a:rPr kumimoji="1" lang="en-US" altLang="ja-JP" sz="2000" dirty="0">
+                <a:solidFill>
+                  <a:srgbClr val="008892"/>
+                </a:solidFill>
+                <a:latin typeface="Calibri" panose="020F0502020204030204" pitchFamily="34" charset="0"/>
+              </a:rPr>
+              <a:t>upstream</a:t>
+            </a:r>
+            <a:endParaRPr kumimoji="1" lang="ja-JP" altLang="en-US" sz="2000" dirty="0">
+              <a:solidFill>
+                <a:srgbClr val="008892"/>
+              </a:solidFill>
+              <a:latin typeface="Calibri" panose="020F0502020204030204" pitchFamily="34" charset="0"/>
+            </a:endParaRPr>
+          </a:p>
+        </p:txBody>
+      </p:sp>
+      <p:sp>
+        <p:nvSpPr>
+          <p:cNvPr id="17" name="テキスト ボックス 16"/>
+          <p:cNvSpPr txBox="1"/>
+          <p:nvPr/>
+        </p:nvSpPr>
+        <p:spPr>
+          <a:xfrm>
+            <a:off x="10074402" y="1405890"/>
+            <a:ext cx="1594616" cy="400110"/>
+          </a:xfrm>
+          <a:prstGeom prst="rect">
+            <a:avLst/>
+          </a:prstGeom>
+          <a:noFill/>
+        </p:spPr>
+        <p:txBody>
+          <a:bodyPr wrap="square" rtlCol="0">
+            <a:spAutoFit/>
+          </a:bodyPr>
+          <a:lstStyle/>
+          <a:p>
+            <a:pPr algn="ctr"/>
+            <a:r>
+              <a:rPr kumimoji="1" lang="en-US" altLang="ja-JP" sz="2000" dirty="0">
+                <a:solidFill>
+                  <a:srgbClr val="008892"/>
+                </a:solidFill>
+                <a:latin typeface="Calibri" panose="020F0502020204030204" pitchFamily="34" charset="0"/>
+              </a:rPr>
+              <a:t>downstream</a:t>
+            </a:r>
+            <a:endParaRPr kumimoji="1" lang="ja-JP" altLang="en-US" sz="2000" dirty="0">
+              <a:solidFill>
+                <a:srgbClr val="008892"/>
+              </a:solidFill>
+              <a:latin typeface="Calibri" panose="020F0502020204030204" pitchFamily="34" charset="0"/>
+            </a:endParaRPr>
+          </a:p>
+        </p:txBody>
+      </p:sp>
+      <p:sp>
+        <p:nvSpPr>
+          <p:cNvPr id="8" name="右矢印 7"/>
+          <p:cNvSpPr/>
+          <p:nvPr/>
+        </p:nvSpPr>
+        <p:spPr>
+          <a:xfrm>
+            <a:off x="5277865" y="2083719"/>
+            <a:ext cx="614195" cy="345572"/>
+          </a:xfrm>
+          <a:prstGeom prst="rightArrow">
+            <a:avLst>
+              <a:gd name="adj1" fmla="val 50000"/>
+              <a:gd name="adj2" fmla="val 83262"/>
+            </a:avLst>
+          </a:prstGeom>
+          <a:solidFill>
+            <a:srgbClr val="00B4C2"/>
+          </a:solidFill>
+          <a:ln>
+            <a:solidFill>
+              <a:srgbClr val="008892"/>
+            </a:solidFill>
+          </a:ln>
+        </p:spPr>
+        <p:style>
+          <a:lnRef idx="2">
+            <a:schemeClr val="accent1">
+              <a:shade val="50000"/>
+            </a:schemeClr>
+          </a:lnRef>
+          <a:fillRef idx="1">
+            <a:schemeClr val="accent1"/>
+          </a:fillRef>
+          <a:effectRef idx="0">
+            <a:schemeClr val="accent1"/>
+          </a:effectRef>
+          <a:fontRef idx="minor">
+            <a:schemeClr val="lt1"/>
+          </a:fontRef>
+        </p:style>
+        <p:txBody>
+          <a:bodyPr rtlCol="0" anchor="ctr"/>
+          <a:lstStyle/>
+          <a:p>
+            <a:pPr algn="ctr"/>
+            <a:endParaRPr kumimoji="1" lang="ja-JP" altLang="en-US"/>
+          </a:p>
+        </p:txBody>
+      </p:sp>
+      <p:sp>
+        <p:nvSpPr>
+          <p:cNvPr id="19" name="右矢印 18"/>
+          <p:cNvSpPr/>
+          <p:nvPr/>
+        </p:nvSpPr>
+        <p:spPr>
+          <a:xfrm>
+            <a:off x="9010373" y="2083719"/>
+            <a:ext cx="614195" cy="345572"/>
+          </a:xfrm>
+          <a:prstGeom prst="rightArrow">
+            <a:avLst>
+              <a:gd name="adj1" fmla="val 50000"/>
+              <a:gd name="adj2" fmla="val 83262"/>
+            </a:avLst>
+          </a:prstGeom>
+          <a:solidFill>
+            <a:srgbClr val="00B4C2"/>
+          </a:solidFill>
+          <a:ln>
+            <a:solidFill>
+              <a:srgbClr val="008892"/>
+            </a:solidFill>
+          </a:ln>
+        </p:spPr>
+        <p:style>
+          <a:lnRef idx="2">
+            <a:schemeClr val="accent1">
+              <a:shade val="50000"/>
+            </a:schemeClr>
+          </a:lnRef>
+          <a:fillRef idx="1">
+            <a:schemeClr val="accent1"/>
+          </a:fillRef>
+          <a:effectRef idx="0">
+            <a:schemeClr val="accent1"/>
+          </a:effectRef>
+          <a:fontRef idx="minor">
+            <a:schemeClr val="lt1"/>
+          </a:fontRef>
+        </p:style>
+        <p:txBody>
+          <a:bodyPr rtlCol="0" anchor="ctr"/>
+          <a:lstStyle/>
+          <a:p>
+            <a:pPr algn="ctr"/>
+            <a:endParaRPr kumimoji="1" lang="ja-JP" altLang="en-US"/>
+          </a:p>
+        </p:txBody>
+      </p:sp>
+      <p:sp>
+        <p:nvSpPr>
+          <p:cNvPr id="20" name="テキスト ボックス 19"/>
+          <p:cNvSpPr txBox="1"/>
+          <p:nvPr/>
+        </p:nvSpPr>
+        <p:spPr>
+          <a:xfrm>
+            <a:off x="5393384" y="1661734"/>
+            <a:ext cx="1363980" cy="400110"/>
+          </a:xfrm>
+          <a:prstGeom prst="rect">
+            <a:avLst/>
+          </a:prstGeom>
+          <a:noFill/>
+        </p:spPr>
+        <p:txBody>
+          <a:bodyPr wrap="square" rtlCol="0">
+            <a:spAutoFit/>
+          </a:bodyPr>
+          <a:lstStyle/>
+          <a:p>
+            <a:pPr algn="ctr"/>
+            <a:r>
+              <a:rPr kumimoji="1" lang="en-US" altLang="ja-JP" sz="2000" dirty="0">
+                <a:solidFill>
+                  <a:srgbClr val="008892"/>
+                </a:solidFill>
+                <a:latin typeface="Calibri" panose="020F0502020204030204" pitchFamily="34" charset="0"/>
+              </a:rPr>
+              <a:t>inbound</a:t>
+            </a:r>
+            <a:endParaRPr kumimoji="1" lang="ja-JP" altLang="en-US" sz="2000" dirty="0">
+              <a:solidFill>
+                <a:srgbClr val="008892"/>
+              </a:solidFill>
+              <a:latin typeface="Calibri" panose="020F0502020204030204" pitchFamily="34" charset="0"/>
+            </a:endParaRPr>
+          </a:p>
+        </p:txBody>
+      </p:sp>
+      <p:sp>
+        <p:nvSpPr>
+          <p:cNvPr id="24" name="テキスト ボックス 23"/>
+          <p:cNvSpPr txBox="1"/>
+          <p:nvPr/>
+        </p:nvSpPr>
+        <p:spPr>
+          <a:xfrm>
+            <a:off x="6714695" y="1766072"/>
+            <a:ext cx="1363980" cy="461665"/>
+          </a:xfrm>
+          <a:prstGeom prst="rect">
+            <a:avLst/>
+          </a:prstGeom>
+          <a:noFill/>
+        </p:spPr>
+        <p:txBody>
+          <a:bodyPr wrap="square" rtlCol="0">
+            <a:spAutoFit/>
+          </a:bodyPr>
+          <a:lstStyle/>
+          <a:p>
+            <a:pPr algn="ctr"/>
+            <a:r>
+              <a:rPr kumimoji="1" lang="en-US" altLang="ja-JP" sz="2400" dirty="0">
+                <a:solidFill>
+                  <a:srgbClr val="008892"/>
+                </a:solidFill>
+                <a:latin typeface="Calibri" panose="020F0502020204030204" pitchFamily="34" charset="0"/>
+              </a:rPr>
+              <a:t>Training</a:t>
+            </a:r>
+            <a:endParaRPr kumimoji="1" lang="ja-JP" altLang="en-US" sz="2400" dirty="0">
+              <a:solidFill>
+                <a:srgbClr val="008892"/>
+              </a:solidFill>
+              <a:latin typeface="Calibri" panose="020F0502020204030204" pitchFamily="34" charset="0"/>
+            </a:endParaRPr>
+          </a:p>
+        </p:txBody>
+      </p:sp>
+      <p:sp>
+        <p:nvSpPr>
+          <p:cNvPr id="25" name="テキスト ボックス 24"/>
+          <p:cNvSpPr txBox="1"/>
+          <p:nvPr/>
+        </p:nvSpPr>
+        <p:spPr>
+          <a:xfrm>
+            <a:off x="6714695" y="2238011"/>
+            <a:ext cx="1363980" cy="461665"/>
+          </a:xfrm>
+          <a:prstGeom prst="rect">
+            <a:avLst/>
+          </a:prstGeom>
+          <a:noFill/>
+        </p:spPr>
+        <p:txBody>
+          <a:bodyPr wrap="square" rtlCol="0">
+            <a:spAutoFit/>
+          </a:bodyPr>
+          <a:lstStyle/>
+          <a:p>
+            <a:pPr algn="ctr"/>
+            <a:r>
+              <a:rPr kumimoji="1" lang="en-US" altLang="ja-JP" sz="2400" dirty="0">
+                <a:solidFill>
+                  <a:srgbClr val="008892"/>
+                </a:solidFill>
+                <a:latin typeface="Calibri" panose="020F0502020204030204" pitchFamily="34" charset="0"/>
+              </a:rPr>
+              <a:t>Policy</a:t>
+            </a:r>
+            <a:endParaRPr kumimoji="1" lang="ja-JP" altLang="en-US" sz="2400" dirty="0">
+              <a:solidFill>
+                <a:srgbClr val="008892"/>
+              </a:solidFill>
+              <a:latin typeface="Calibri" panose="020F0502020204030204" pitchFamily="34" charset="0"/>
+            </a:endParaRPr>
+          </a:p>
+        </p:txBody>
+      </p:sp>
+      <p:sp>
+        <p:nvSpPr>
+          <p:cNvPr id="26" name="テキスト ボックス 25"/>
+          <p:cNvSpPr txBox="1"/>
+          <p:nvPr/>
+        </p:nvSpPr>
+        <p:spPr>
+          <a:xfrm>
+            <a:off x="6714695" y="2709949"/>
+            <a:ext cx="1363980" cy="461665"/>
+          </a:xfrm>
+          <a:prstGeom prst="rect">
+            <a:avLst/>
+          </a:prstGeom>
+          <a:noFill/>
+        </p:spPr>
+        <p:txBody>
+          <a:bodyPr wrap="square" rtlCol="0">
+            <a:spAutoFit/>
+          </a:bodyPr>
+          <a:lstStyle/>
+          <a:p>
+            <a:pPr algn="ctr"/>
+            <a:r>
+              <a:rPr kumimoji="1" lang="en-US" altLang="ja-JP" sz="2400" dirty="0">
+                <a:solidFill>
+                  <a:srgbClr val="008892"/>
+                </a:solidFill>
+                <a:latin typeface="Calibri" panose="020F0502020204030204" pitchFamily="34" charset="0"/>
+              </a:rPr>
+              <a:t>Process</a:t>
+            </a:r>
+            <a:endParaRPr kumimoji="1" lang="ja-JP" altLang="en-US" sz="2400" dirty="0">
+              <a:solidFill>
+                <a:srgbClr val="008892"/>
+              </a:solidFill>
+              <a:latin typeface="Calibri" panose="020F0502020204030204" pitchFamily="34" charset="0"/>
+            </a:endParaRPr>
+          </a:p>
+        </p:txBody>
+      </p:sp>
     </p:spTree>
   </p:cSld>
   <p:clrMapOvr>
